--- a/slides/Week6_Recap.pptx
+++ b/slides/Week6_Recap.pptx
@@ -5,10 +5,10 @@
     <p:sldMasterId id="2147485087" r:id="rId1"/>
   </p:sldMasterIdLst>
   <p:notesMasterIdLst>
-    <p:notesMasterId r:id="rId10"/>
+    <p:notesMasterId r:id="rId11"/>
   </p:notesMasterIdLst>
   <p:handoutMasterIdLst>
-    <p:handoutMasterId r:id="rId11"/>
+    <p:handoutMasterId r:id="rId12"/>
   </p:handoutMasterIdLst>
   <p:sldIdLst>
     <p:sldId id="256" r:id="rId2"/>
@@ -18,7 +18,8 @@
     <p:sldId id="622" r:id="rId6"/>
     <p:sldId id="635" r:id="rId7"/>
     <p:sldId id="525" r:id="rId8"/>
-    <p:sldId id="637" r:id="rId9"/>
+    <p:sldId id="638" r:id="rId9"/>
+    <p:sldId id="637" r:id="rId10"/>
   </p:sldIdLst>
   <p:sldSz cx="9144000" cy="6858000" type="screen4x3"/>
   <p:notesSz cx="7010400" cy="9296400"/>
@@ -183,7 +184,7 @@
 <file path=ppt/revisionInfo.xml><?xml version="1.0" encoding="utf-8"?>
 <p1510:revInfo xmlns:a="http://schemas.openxmlformats.org/drawingml/2006/main" xmlns:r="http://schemas.openxmlformats.org/officeDocument/2006/relationships" xmlns:p1510="http://schemas.microsoft.com/office/powerpoint/2015/10/main">
   <p1510:revLst>
-    <p1510:client id="{11CE9936-648B-4939-9FD1-F8103D69B7B2}" v="39" dt="2024-03-11T05:42:29.027"/>
+    <p1510:client id="{11CE9936-648B-4939-9FD1-F8103D69B7B2}" v="41" dt="2024-03-12T00:53:10.893"/>
   </p1510:revLst>
 </p1510:revInfo>
 </file>
@@ -3053,7 +3054,7 @@
   <pc:docChgLst>
     <pc:chgData name="Zhao Jin" userId="cd05a825-544c-438a-9ba1-08e63db50b47" providerId="ADAL" clId="{11CE9936-648B-4939-9FD1-F8103D69B7B2}"/>
     <pc:docChg chg="undo custSel addSld delSld modSld">
-      <pc:chgData name="Zhao Jin" userId="cd05a825-544c-438a-9ba1-08e63db50b47" providerId="ADAL" clId="{11CE9936-648B-4939-9FD1-F8103D69B7B2}" dt="2024-03-11T05:45:19.868" v="593" actId="20577"/>
+      <pc:chgData name="Zhao Jin" userId="cd05a825-544c-438a-9ba1-08e63db50b47" providerId="ADAL" clId="{11CE9936-648B-4939-9FD1-F8103D69B7B2}" dt="2024-03-12T00:53:14.942" v="602" actId="478"/>
       <pc:docMkLst>
         <pc:docMk/>
       </pc:docMkLst>
@@ -4178,6 +4179,269 @@
           <pc:docMk/>
           <pc:sldMk cId="3361210275" sldId="637"/>
         </pc:sldMkLst>
+      </pc:sldChg>
+      <pc:sldChg chg="addSp delSp modSp add mod delAnim modAnim">
+        <pc:chgData name="Zhao Jin" userId="cd05a825-544c-438a-9ba1-08e63db50b47" providerId="ADAL" clId="{11CE9936-648B-4939-9FD1-F8103D69B7B2}" dt="2024-03-12T00:53:14.942" v="602" actId="478"/>
+        <pc:sldMkLst>
+          <pc:docMk/>
+          <pc:sldMk cId="2802426808" sldId="638"/>
+        </pc:sldMkLst>
+        <pc:spChg chg="add del mod">
+          <ac:chgData name="Zhao Jin" userId="cd05a825-544c-438a-9ba1-08e63db50b47" providerId="ADAL" clId="{11CE9936-648B-4939-9FD1-F8103D69B7B2}" dt="2024-03-12T00:53:09.910" v="597" actId="478"/>
+          <ac:spMkLst>
+            <pc:docMk/>
+            <pc:sldMk cId="2802426808" sldId="638"/>
+            <ac:spMk id="5" creationId="{36A346BF-2FB5-98FB-FFEE-53137768CD8A}"/>
+          </ac:spMkLst>
+        </pc:spChg>
+        <pc:spChg chg="del">
+          <ac:chgData name="Zhao Jin" userId="cd05a825-544c-438a-9ba1-08e63db50b47" providerId="ADAL" clId="{11CE9936-648B-4939-9FD1-F8103D69B7B2}" dt="2024-03-12T00:53:06.845" v="595" actId="478"/>
+          <ac:spMkLst>
+            <pc:docMk/>
+            <pc:sldMk cId="2802426808" sldId="638"/>
+            <ac:spMk id="6" creationId="{00568286-6850-338C-8176-699E16332DA1}"/>
+          </ac:spMkLst>
+        </pc:spChg>
+        <pc:spChg chg="add del mod">
+          <ac:chgData name="Zhao Jin" userId="cd05a825-544c-438a-9ba1-08e63db50b47" providerId="ADAL" clId="{11CE9936-648B-4939-9FD1-F8103D69B7B2}" dt="2024-03-12T00:53:08.709" v="596" actId="478"/>
+          <ac:spMkLst>
+            <pc:docMk/>
+            <pc:sldMk cId="2802426808" sldId="638"/>
+            <ac:spMk id="8" creationId="{A05ACFA6-F9CA-AA92-DEBE-9180B4A99DA9}"/>
+          </ac:spMkLst>
+        </pc:spChg>
+        <pc:spChg chg="add mod">
+          <ac:chgData name="Zhao Jin" userId="cd05a825-544c-438a-9ba1-08e63db50b47" providerId="ADAL" clId="{11CE9936-648B-4939-9FD1-F8103D69B7B2}" dt="2024-03-12T00:53:10.893" v="598"/>
+          <ac:spMkLst>
+            <pc:docMk/>
+            <pc:sldMk cId="2802426808" sldId="638"/>
+            <ac:spMk id="9" creationId="{4E812EE8-7A20-DB7E-0630-5C7863012CED}"/>
+          </ac:spMkLst>
+        </pc:spChg>
+        <pc:spChg chg="mod">
+          <ac:chgData name="Zhao Jin" userId="cd05a825-544c-438a-9ba1-08e63db50b47" providerId="ADAL" clId="{11CE9936-648B-4939-9FD1-F8103D69B7B2}" dt="2024-03-12T00:53:10.893" v="598"/>
+          <ac:spMkLst>
+            <pc:docMk/>
+            <pc:sldMk cId="2802426808" sldId="638"/>
+            <ac:spMk id="11" creationId="{9B6714A7-94AA-0189-17E3-F181678B106D}"/>
+          </ac:spMkLst>
+        </pc:spChg>
+        <pc:spChg chg="mod">
+          <ac:chgData name="Zhao Jin" userId="cd05a825-544c-438a-9ba1-08e63db50b47" providerId="ADAL" clId="{11CE9936-648B-4939-9FD1-F8103D69B7B2}" dt="2024-03-12T00:53:10.893" v="598"/>
+          <ac:spMkLst>
+            <pc:docMk/>
+            <pc:sldMk cId="2802426808" sldId="638"/>
+            <ac:spMk id="12" creationId="{57BB6960-99BB-D1F7-5E1E-5C21F7563470}"/>
+          </ac:spMkLst>
+        </pc:spChg>
+        <pc:spChg chg="del">
+          <ac:chgData name="Zhao Jin" userId="cd05a825-544c-438a-9ba1-08e63db50b47" providerId="ADAL" clId="{11CE9936-648B-4939-9FD1-F8103D69B7B2}" dt="2024-03-12T00:53:06.845" v="595" actId="478"/>
+          <ac:spMkLst>
+            <pc:docMk/>
+            <pc:sldMk cId="2802426808" sldId="638"/>
+            <ac:spMk id="13" creationId="{DE802AD8-E3DD-1D13-E1EA-E65539750AA2}"/>
+          </ac:spMkLst>
+        </pc:spChg>
+        <pc:spChg chg="mod">
+          <ac:chgData name="Zhao Jin" userId="cd05a825-544c-438a-9ba1-08e63db50b47" providerId="ADAL" clId="{11CE9936-648B-4939-9FD1-F8103D69B7B2}" dt="2024-03-12T00:53:10.893" v="598"/>
+          <ac:spMkLst>
+            <pc:docMk/>
+            <pc:sldMk cId="2802426808" sldId="638"/>
+            <ac:spMk id="14" creationId="{BE699B9A-B227-8619-09DF-96FEC20DB90C}"/>
+          </ac:spMkLst>
+        </pc:spChg>
+        <pc:spChg chg="mod">
+          <ac:chgData name="Zhao Jin" userId="cd05a825-544c-438a-9ba1-08e63db50b47" providerId="ADAL" clId="{11CE9936-648B-4939-9FD1-F8103D69B7B2}" dt="2024-03-12T00:53:10.893" v="598"/>
+          <ac:spMkLst>
+            <pc:docMk/>
+            <pc:sldMk cId="2802426808" sldId="638"/>
+            <ac:spMk id="15" creationId="{B5F14E4F-4D2A-E5D6-5434-2A929D9CB1F3}"/>
+          </ac:spMkLst>
+        </pc:spChg>
+        <pc:spChg chg="add mod">
+          <ac:chgData name="Zhao Jin" userId="cd05a825-544c-438a-9ba1-08e63db50b47" providerId="ADAL" clId="{11CE9936-648B-4939-9FD1-F8103D69B7B2}" dt="2024-03-12T00:53:10.893" v="598"/>
+          <ac:spMkLst>
+            <pc:docMk/>
+            <pc:sldMk cId="2802426808" sldId="638"/>
+            <ac:spMk id="28" creationId="{355B7711-3EE3-2FAA-F020-933AB1900573}"/>
+          </ac:spMkLst>
+        </pc:spChg>
+        <pc:spChg chg="add mod">
+          <ac:chgData name="Zhao Jin" userId="cd05a825-544c-438a-9ba1-08e63db50b47" providerId="ADAL" clId="{11CE9936-648B-4939-9FD1-F8103D69B7B2}" dt="2024-03-12T00:53:10.893" v="598"/>
+          <ac:spMkLst>
+            <pc:docMk/>
+            <pc:sldMk cId="2802426808" sldId="638"/>
+            <ac:spMk id="29" creationId="{BDF01D19-60B6-6A80-70DF-BD6168E155ED}"/>
+          </ac:spMkLst>
+        </pc:spChg>
+        <pc:spChg chg="add mod">
+          <ac:chgData name="Zhao Jin" userId="cd05a825-544c-438a-9ba1-08e63db50b47" providerId="ADAL" clId="{11CE9936-648B-4939-9FD1-F8103D69B7B2}" dt="2024-03-12T00:53:10.893" v="598"/>
+          <ac:spMkLst>
+            <pc:docMk/>
+            <pc:sldMk cId="2802426808" sldId="638"/>
+            <ac:spMk id="30" creationId="{5099EA7F-E225-3426-A37A-3E1D22BF4B5A}"/>
+          </ac:spMkLst>
+        </pc:spChg>
+        <pc:spChg chg="add mod">
+          <ac:chgData name="Zhao Jin" userId="cd05a825-544c-438a-9ba1-08e63db50b47" providerId="ADAL" clId="{11CE9936-648B-4939-9FD1-F8103D69B7B2}" dt="2024-03-12T00:53:10.893" v="598"/>
+          <ac:spMkLst>
+            <pc:docMk/>
+            <pc:sldMk cId="2802426808" sldId="638"/>
+            <ac:spMk id="31" creationId="{FB3707A8-E821-7778-ED91-0CE1A426651D}"/>
+          </ac:spMkLst>
+        </pc:spChg>
+        <pc:spChg chg="add mod">
+          <ac:chgData name="Zhao Jin" userId="cd05a825-544c-438a-9ba1-08e63db50b47" providerId="ADAL" clId="{11CE9936-648B-4939-9FD1-F8103D69B7B2}" dt="2024-03-12T00:53:10.893" v="598"/>
+          <ac:spMkLst>
+            <pc:docMk/>
+            <pc:sldMk cId="2802426808" sldId="638"/>
+            <ac:spMk id="32" creationId="{CC682A90-905B-FA8A-B07E-02133095E12E}"/>
+          </ac:spMkLst>
+        </pc:spChg>
+        <pc:spChg chg="add mod">
+          <ac:chgData name="Zhao Jin" userId="cd05a825-544c-438a-9ba1-08e63db50b47" providerId="ADAL" clId="{11CE9936-648B-4939-9FD1-F8103D69B7B2}" dt="2024-03-12T00:53:10.893" v="598"/>
+          <ac:spMkLst>
+            <pc:docMk/>
+            <pc:sldMk cId="2802426808" sldId="638"/>
+            <ac:spMk id="33" creationId="{6205835F-FAFF-D5F0-A6F6-D7C721DE322F}"/>
+          </ac:spMkLst>
+        </pc:spChg>
+        <pc:spChg chg="add del mod">
+          <ac:chgData name="Zhao Jin" userId="cd05a825-544c-438a-9ba1-08e63db50b47" providerId="ADAL" clId="{11CE9936-648B-4939-9FD1-F8103D69B7B2}" dt="2024-03-12T00:53:13.916" v="600" actId="478"/>
+          <ac:spMkLst>
+            <pc:docMk/>
+            <pc:sldMk cId="2802426808" sldId="638"/>
+            <ac:spMk id="34" creationId="{C026F20D-8629-5CEA-3FB4-0142FFB6A572}"/>
+          </ac:spMkLst>
+        </pc:spChg>
+        <pc:spChg chg="add del mod">
+          <ac:chgData name="Zhao Jin" userId="cd05a825-544c-438a-9ba1-08e63db50b47" providerId="ADAL" clId="{11CE9936-648B-4939-9FD1-F8103D69B7B2}" dt="2024-03-12T00:53:13.459" v="599" actId="478"/>
+          <ac:spMkLst>
+            <pc:docMk/>
+            <pc:sldMk cId="2802426808" sldId="638"/>
+            <ac:spMk id="35" creationId="{398B71AF-4241-DC16-4FFD-10F94E709E2F}"/>
+          </ac:spMkLst>
+        </pc:spChg>
+        <pc:spChg chg="add del mod">
+          <ac:chgData name="Zhao Jin" userId="cd05a825-544c-438a-9ba1-08e63db50b47" providerId="ADAL" clId="{11CE9936-648B-4939-9FD1-F8103D69B7B2}" dt="2024-03-12T00:53:14.457" v="601" actId="478"/>
+          <ac:spMkLst>
+            <pc:docMk/>
+            <pc:sldMk cId="2802426808" sldId="638"/>
+            <ac:spMk id="36" creationId="{746615B7-9805-E8C2-9631-7DFE739720F3}"/>
+          </ac:spMkLst>
+        </pc:spChg>
+        <pc:spChg chg="add del mod">
+          <ac:chgData name="Zhao Jin" userId="cd05a825-544c-438a-9ba1-08e63db50b47" providerId="ADAL" clId="{11CE9936-648B-4939-9FD1-F8103D69B7B2}" dt="2024-03-12T00:53:14.942" v="602" actId="478"/>
+          <ac:spMkLst>
+            <pc:docMk/>
+            <pc:sldMk cId="2802426808" sldId="638"/>
+            <ac:spMk id="37" creationId="{A918B355-6505-BF9D-9C99-3083581C1F40}"/>
+          </ac:spMkLst>
+        </pc:spChg>
+        <pc:grpChg chg="add mod">
+          <ac:chgData name="Zhao Jin" userId="cd05a825-544c-438a-9ba1-08e63db50b47" providerId="ADAL" clId="{11CE9936-648B-4939-9FD1-F8103D69B7B2}" dt="2024-03-12T00:53:10.893" v="598"/>
+          <ac:grpSpMkLst>
+            <pc:docMk/>
+            <pc:sldMk cId="2802426808" sldId="638"/>
+            <ac:grpSpMk id="10" creationId="{CAC017AD-F270-3C1F-5B11-0E2FEEE39DA5}"/>
+          </ac:grpSpMkLst>
+        </pc:grpChg>
+        <pc:cxnChg chg="mod">
+          <ac:chgData name="Zhao Jin" userId="cd05a825-544c-438a-9ba1-08e63db50b47" providerId="ADAL" clId="{11CE9936-648B-4939-9FD1-F8103D69B7B2}" dt="2024-03-12T00:53:10.893" v="598"/>
+          <ac:cxnSpMkLst>
+            <pc:docMk/>
+            <pc:sldMk cId="2802426808" sldId="638"/>
+            <ac:cxnSpMk id="16" creationId="{9F76D268-050C-BE9F-020F-60B563AAE4C7}"/>
+          </ac:cxnSpMkLst>
+        </pc:cxnChg>
+        <pc:cxnChg chg="mod">
+          <ac:chgData name="Zhao Jin" userId="cd05a825-544c-438a-9ba1-08e63db50b47" providerId="ADAL" clId="{11CE9936-648B-4939-9FD1-F8103D69B7B2}" dt="2024-03-12T00:53:10.893" v="598"/>
+          <ac:cxnSpMkLst>
+            <pc:docMk/>
+            <pc:sldMk cId="2802426808" sldId="638"/>
+            <ac:cxnSpMk id="17" creationId="{EDEF90E4-B9C6-294A-DFC1-201888570D0B}"/>
+          </ac:cxnSpMkLst>
+        </pc:cxnChg>
+        <pc:cxnChg chg="mod">
+          <ac:chgData name="Zhao Jin" userId="cd05a825-544c-438a-9ba1-08e63db50b47" providerId="ADAL" clId="{11CE9936-648B-4939-9FD1-F8103D69B7B2}" dt="2024-03-12T00:53:10.893" v="598"/>
+          <ac:cxnSpMkLst>
+            <pc:docMk/>
+            <pc:sldMk cId="2802426808" sldId="638"/>
+            <ac:cxnSpMk id="18" creationId="{3E05A97A-829A-0150-469A-117B56C5CF30}"/>
+          </ac:cxnSpMkLst>
+        </pc:cxnChg>
+        <pc:cxnChg chg="mod">
+          <ac:chgData name="Zhao Jin" userId="cd05a825-544c-438a-9ba1-08e63db50b47" providerId="ADAL" clId="{11CE9936-648B-4939-9FD1-F8103D69B7B2}" dt="2024-03-12T00:53:10.893" v="598"/>
+          <ac:cxnSpMkLst>
+            <pc:docMk/>
+            <pc:sldMk cId="2802426808" sldId="638"/>
+            <ac:cxnSpMk id="19" creationId="{D1C2933B-D8ED-29CC-8A84-8F2FB2AA88F5}"/>
+          </ac:cxnSpMkLst>
+        </pc:cxnChg>
+        <pc:cxnChg chg="mod">
+          <ac:chgData name="Zhao Jin" userId="cd05a825-544c-438a-9ba1-08e63db50b47" providerId="ADAL" clId="{11CE9936-648B-4939-9FD1-F8103D69B7B2}" dt="2024-03-12T00:53:10.893" v="598"/>
+          <ac:cxnSpMkLst>
+            <pc:docMk/>
+            <pc:sldMk cId="2802426808" sldId="638"/>
+            <ac:cxnSpMk id="20" creationId="{2C34C445-3E93-7E1C-9836-39C13E529D63}"/>
+          </ac:cxnSpMkLst>
+        </pc:cxnChg>
+        <pc:cxnChg chg="mod">
+          <ac:chgData name="Zhao Jin" userId="cd05a825-544c-438a-9ba1-08e63db50b47" providerId="ADAL" clId="{11CE9936-648B-4939-9FD1-F8103D69B7B2}" dt="2024-03-12T00:53:10.893" v="598"/>
+          <ac:cxnSpMkLst>
+            <pc:docMk/>
+            <pc:sldMk cId="2802426808" sldId="638"/>
+            <ac:cxnSpMk id="21" creationId="{CFA8BA1B-C225-2DAF-44A9-0B02F1BAF26A}"/>
+          </ac:cxnSpMkLst>
+        </pc:cxnChg>
+        <pc:cxnChg chg="mod">
+          <ac:chgData name="Zhao Jin" userId="cd05a825-544c-438a-9ba1-08e63db50b47" providerId="ADAL" clId="{11CE9936-648B-4939-9FD1-F8103D69B7B2}" dt="2024-03-12T00:53:10.893" v="598"/>
+          <ac:cxnSpMkLst>
+            <pc:docMk/>
+            <pc:sldMk cId="2802426808" sldId="638"/>
+            <ac:cxnSpMk id="22" creationId="{911465F3-E803-88C2-7006-E3308D10DC77}"/>
+          </ac:cxnSpMkLst>
+        </pc:cxnChg>
+        <pc:cxnChg chg="mod">
+          <ac:chgData name="Zhao Jin" userId="cd05a825-544c-438a-9ba1-08e63db50b47" providerId="ADAL" clId="{11CE9936-648B-4939-9FD1-F8103D69B7B2}" dt="2024-03-12T00:53:10.893" v="598"/>
+          <ac:cxnSpMkLst>
+            <pc:docMk/>
+            <pc:sldMk cId="2802426808" sldId="638"/>
+            <ac:cxnSpMk id="23" creationId="{9C476DE4-5ADC-7DEA-7EDB-B4046197927F}"/>
+          </ac:cxnSpMkLst>
+        </pc:cxnChg>
+        <pc:cxnChg chg="mod">
+          <ac:chgData name="Zhao Jin" userId="cd05a825-544c-438a-9ba1-08e63db50b47" providerId="ADAL" clId="{11CE9936-648B-4939-9FD1-F8103D69B7B2}" dt="2024-03-12T00:53:10.893" v="598"/>
+          <ac:cxnSpMkLst>
+            <pc:docMk/>
+            <pc:sldMk cId="2802426808" sldId="638"/>
+            <ac:cxnSpMk id="24" creationId="{8643015E-3EA7-83BC-FDB6-9E0BD4DF1C40}"/>
+          </ac:cxnSpMkLst>
+        </pc:cxnChg>
+        <pc:cxnChg chg="mod">
+          <ac:chgData name="Zhao Jin" userId="cd05a825-544c-438a-9ba1-08e63db50b47" providerId="ADAL" clId="{11CE9936-648B-4939-9FD1-F8103D69B7B2}" dt="2024-03-12T00:53:10.893" v="598"/>
+          <ac:cxnSpMkLst>
+            <pc:docMk/>
+            <pc:sldMk cId="2802426808" sldId="638"/>
+            <ac:cxnSpMk id="25" creationId="{DD5EDC08-20EE-8FAB-9E87-A6633C3B661B}"/>
+          </ac:cxnSpMkLst>
+        </pc:cxnChg>
+        <pc:cxnChg chg="mod">
+          <ac:chgData name="Zhao Jin" userId="cd05a825-544c-438a-9ba1-08e63db50b47" providerId="ADAL" clId="{11CE9936-648B-4939-9FD1-F8103D69B7B2}" dt="2024-03-12T00:53:10.893" v="598"/>
+          <ac:cxnSpMkLst>
+            <pc:docMk/>
+            <pc:sldMk cId="2802426808" sldId="638"/>
+            <ac:cxnSpMk id="26" creationId="{0BC89241-8D29-4059-A38E-FA54DE15C4FB}"/>
+          </ac:cxnSpMkLst>
+        </pc:cxnChg>
+        <pc:cxnChg chg="mod">
+          <ac:chgData name="Zhao Jin" userId="cd05a825-544c-438a-9ba1-08e63db50b47" providerId="ADAL" clId="{11CE9936-648B-4939-9FD1-F8103D69B7B2}" dt="2024-03-12T00:53:10.893" v="598"/>
+          <ac:cxnSpMkLst>
+            <pc:docMk/>
+            <pc:sldMk cId="2802426808" sldId="638"/>
+            <ac:cxnSpMk id="27" creationId="{BC6485CC-5019-3F59-927F-62601ED04EEB}"/>
+          </ac:cxnSpMkLst>
+        </pc:cxnChg>
       </pc:sldChg>
       <pc:sldChg chg="del">
         <pc:chgData name="Zhao Jin" userId="cd05a825-544c-438a-9ba1-08e63db50b47" providerId="ADAL" clId="{11CE9936-648B-4939-9FD1-F8103D69B7B2}" dt="2024-03-08T08:33:31.083" v="1" actId="47"/>
@@ -5037,7 +5301,7 @@
               <a:pPr>
                 <a:defRPr/>
               </a:pPr>
-              <a:t>3/11/2024</a:t>
+              <a:t>3/12/2024</a:t>
             </a:fld>
             <a:endParaRPr lang="en-US"/>
           </a:p>
@@ -6090,6 +6354,122 @@
 </file>
 
 <file path=ppt/notesSlides/notesSlide8.xml><?xml version="1.0" encoding="utf-8"?>
+<p:notes xmlns:a="http://schemas.openxmlformats.org/drawingml/2006/main" xmlns:r="http://schemas.openxmlformats.org/officeDocument/2006/relationships" xmlns:p="http://schemas.openxmlformats.org/presentationml/2006/main">
+  <p:cSld>
+    <p:spTree>
+      <p:nvGrpSpPr>
+        <p:cNvPr id="1" name=""/>
+        <p:cNvGrpSpPr/>
+        <p:nvPr/>
+      </p:nvGrpSpPr>
+      <p:grpSpPr>
+        <a:xfrm>
+          <a:off x="0" y="0"/>
+          <a:ext cx="0" cy="0"/>
+          <a:chOff x="0" y="0"/>
+          <a:chExt cx="0" cy="0"/>
+        </a:xfrm>
+      </p:grpSpPr>
+      <p:sp>
+        <p:nvSpPr>
+          <p:cNvPr id="74754" name="Rectangle 2"/>
+          <p:cNvSpPr>
+            <a:spLocks noGrp="1" noChangeArrowheads="1"/>
+          </p:cNvSpPr>
+          <p:nvPr>
+            <p:ph type="hdr" sz="quarter"/>
+          </p:nvPr>
+        </p:nvSpPr>
+        <p:spPr bwMode="auto">
+          <a:xfrm>
+            <a:off x="0" y="0"/>
+            <a:ext cx="3038786" cy="465341"/>
+          </a:xfrm>
+          <a:noFill/>
+          <a:ln>
+            <a:miter lim="800000"/>
+            <a:headEnd/>
+            <a:tailEnd/>
+          </a:ln>
+        </p:spPr>
+        <p:txBody>
+          <a:bodyPr wrap="square" numCol="1" anchor="t" anchorCtr="0" compatLnSpc="1">
+            <a:prstTxWarp prst="textNoShape">
+              <a:avLst/>
+            </a:prstTxWarp>
+          </a:bodyPr>
+          <a:lstStyle/>
+          <a:p>
+            <a:r>
+              <a:rPr lang="en-US"/>
+              <a:t>CS1010 Programming Methodology</a:t>
+            </a:r>
+          </a:p>
+        </p:txBody>
+      </p:sp>
+      <p:sp>
+        <p:nvSpPr>
+          <p:cNvPr id="74755" name="Rectangle 2"/>
+          <p:cNvSpPr>
+            <a:spLocks noGrp="1" noRot="1" noChangeAspect="1" noChangeArrowheads="1" noTextEdit="1"/>
+          </p:cNvSpPr>
+          <p:nvPr>
+            <p:ph type="sldImg"/>
+          </p:nvPr>
+        </p:nvSpPr>
+        <p:spPr bwMode="auto">
+          <a:xfrm>
+            <a:off x="1182688" y="696913"/>
+            <a:ext cx="4648200" cy="3486150"/>
+          </a:xfrm>
+          <a:noFill/>
+          <a:ln>
+            <a:solidFill>
+              <a:srgbClr val="000000"/>
+            </a:solidFill>
+            <a:miter lim="800000"/>
+            <a:headEnd/>
+            <a:tailEnd/>
+          </a:ln>
+        </p:spPr>
+      </p:sp>
+      <p:sp>
+        <p:nvSpPr>
+          <p:cNvPr id="74756" name="Rectangle 3"/>
+          <p:cNvSpPr>
+            <a:spLocks noGrp="1" noChangeArrowheads="1"/>
+          </p:cNvSpPr>
+          <p:nvPr>
+            <p:ph type="body" idx="1"/>
+          </p:nvPr>
+        </p:nvSpPr>
+        <p:spPr>
+          <a:noFill/>
+          <a:ln w="9525"/>
+        </p:spPr>
+        <p:txBody>
+          <a:bodyPr/>
+          <a:lstStyle/>
+          <a:p>
+            <a:pPr eaLnBrk="1" hangingPunct="1"/>
+            <a:endParaRPr lang="en-US" dirty="0"/>
+          </a:p>
+        </p:txBody>
+      </p:sp>
+    </p:spTree>
+    <p:extLst>
+      <p:ext uri="{BB962C8B-B14F-4D97-AF65-F5344CB8AC3E}">
+        <p14:creationId xmlns:p14="http://schemas.microsoft.com/office/powerpoint/2010/main" val="860814524"/>
+      </p:ext>
+    </p:extLst>
+  </p:cSld>
+  <p:clrMapOvr>
+    <a:masterClrMapping/>
+  </p:clrMapOvr>
+</p:notes>
+</file>
+
+<file path=ppt/notesSlides/notesSlide9.xml><?xml version="1.0" encoding="utf-8"?>
 <p:notes xmlns:a="http://schemas.openxmlformats.org/drawingml/2006/main" xmlns:r="http://schemas.openxmlformats.org/officeDocument/2006/relationships" xmlns:p="http://schemas.openxmlformats.org/presentationml/2006/main">
   <p:cSld>
     <p:spTree>
@@ -25594,6 +25974,1181 @@
       </p:grpSpPr>
       <p:sp>
         <p:nvSpPr>
+          <p:cNvPr id="2" name="Footer Placeholder 1">
+            <a:extLst>
+              <a:ext uri="{FF2B5EF4-FFF2-40B4-BE49-F238E27FC236}">
+                <a16:creationId xmlns:a16="http://schemas.microsoft.com/office/drawing/2014/main" id="{F00CF889-8BFE-01EA-A63A-1A40E622316A}"/>
+              </a:ext>
+            </a:extLst>
+          </p:cNvPr>
+          <p:cNvSpPr>
+            <a:spLocks noGrp="1"/>
+          </p:cNvSpPr>
+          <p:nvPr>
+            <p:ph type="ftr" sz="quarter" idx="11"/>
+          </p:nvPr>
+        </p:nvSpPr>
+        <p:spPr/>
+        <p:txBody>
+          <a:bodyPr/>
+          <a:lstStyle/>
+          <a:p>
+            <a:pPr algn="l">
+              <a:defRPr/>
+            </a:pPr>
+            <a:r>
+              <a:rPr lang="en-US"/>
+              <a:t>CS1010 (AY2023/24 Semester 2)</a:t>
+            </a:r>
+          </a:p>
+        </p:txBody>
+      </p:sp>
+      <p:sp>
+        <p:nvSpPr>
+          <p:cNvPr id="3" name="Slide Number Placeholder 2">
+            <a:extLst>
+              <a:ext uri="{FF2B5EF4-FFF2-40B4-BE49-F238E27FC236}">
+                <a16:creationId xmlns:a16="http://schemas.microsoft.com/office/drawing/2014/main" id="{C3EBAA06-A369-CA77-B91F-58CCFB7351E4}"/>
+              </a:ext>
+            </a:extLst>
+          </p:cNvPr>
+          <p:cNvSpPr>
+            <a:spLocks noGrp="1"/>
+          </p:cNvSpPr>
+          <p:nvPr>
+            <p:ph type="sldNum" sz="quarter" idx="12"/>
+          </p:nvPr>
+        </p:nvSpPr>
+        <p:spPr/>
+        <p:txBody>
+          <a:bodyPr/>
+          <a:lstStyle/>
+          <a:p>
+            <a:pPr>
+              <a:defRPr/>
+            </a:pPr>
+            <a:r>
+              <a:rPr lang="en-US" dirty="0"/>
+              <a:t>Week6R - </a:t>
+            </a:r>
+            <a:fld id="{2E4790E1-2590-4AEE-892D-AB46A7688113}" type="slidenum">
+              <a:rPr lang="en-US" smtClean="0"/>
+              <a:pPr>
+                <a:defRPr/>
+              </a:pPr>
+              <a:t>8</a:t>
+            </a:fld>
+            <a:endParaRPr lang="en-US" dirty="0"/>
+          </a:p>
+        </p:txBody>
+      </p:sp>
+      <p:sp>
+        <p:nvSpPr>
+          <p:cNvPr id="9" name="Rectangle 2">
+            <a:extLst>
+              <a:ext uri="{FF2B5EF4-FFF2-40B4-BE49-F238E27FC236}">
+                <a16:creationId xmlns:a16="http://schemas.microsoft.com/office/drawing/2014/main" id="{4E812EE8-7A20-DB7E-0630-5C7863012CED}"/>
+              </a:ext>
+            </a:extLst>
+          </p:cNvPr>
+          <p:cNvSpPr>
+            <a:spLocks noGrp="1" noChangeArrowheads="1"/>
+          </p:cNvSpPr>
+          <p:nvPr>
+            <p:ph type="title"/>
+          </p:nvPr>
+        </p:nvSpPr>
+        <p:spPr>
+          <a:xfrm>
+            <a:off x="2841134" y="445546"/>
+            <a:ext cx="5595851" cy="685800"/>
+          </a:xfrm>
+        </p:spPr>
+        <p:txBody>
+          <a:bodyPr>
+            <a:normAutofit fontScale="90000"/>
+          </a:bodyPr>
+          <a:lstStyle/>
+          <a:p>
+            <a:pPr eaLnBrk="1" hangingPunct="1"/>
+            <a:r>
+              <a:rPr lang="en-GB" dirty="0">
+                <a:solidFill>
+                  <a:srgbClr val="0000FF"/>
+                </a:solidFill>
+              </a:rPr>
+              <a:t>Problem Solving Process</a:t>
+            </a:r>
+          </a:p>
+        </p:txBody>
+      </p:sp>
+      <p:grpSp>
+        <p:nvGrpSpPr>
+          <p:cNvPr id="10" name="[Group 28]">
+            <a:extLst>
+              <a:ext uri="{FF2B5EF4-FFF2-40B4-BE49-F238E27FC236}">
+                <a16:creationId xmlns:a16="http://schemas.microsoft.com/office/drawing/2014/main" id="{CAC017AD-F270-3C1F-5B11-0E2FEEE39DA5}"/>
+              </a:ext>
+            </a:extLst>
+          </p:cNvPr>
+          <p:cNvGrpSpPr/>
+          <p:nvPr/>
+        </p:nvGrpSpPr>
+        <p:grpSpPr>
+          <a:xfrm>
+            <a:off x="2895600" y="1377278"/>
+            <a:ext cx="3854488" cy="4406263"/>
+            <a:chOff x="2895600" y="1377278"/>
+            <a:chExt cx="3854488" cy="4406263"/>
+          </a:xfrm>
+        </p:grpSpPr>
+        <p:sp>
+          <p:nvSpPr>
+            <p:cNvPr id="11" name="TextBox 10">
+              <a:extLst>
+                <a:ext uri="{FF2B5EF4-FFF2-40B4-BE49-F238E27FC236}">
+                  <a16:creationId xmlns:a16="http://schemas.microsoft.com/office/drawing/2014/main" id="{9B6714A7-94AA-0189-17E3-F181678B106D}"/>
+                </a:ext>
+              </a:extLst>
+            </p:cNvPr>
+            <p:cNvSpPr txBox="1"/>
+            <p:nvPr/>
+          </p:nvSpPr>
+          <p:spPr bwMode="auto">
+            <a:xfrm>
+              <a:off x="2903851" y="1377278"/>
+              <a:ext cx="2768009" cy="523220"/>
+            </a:xfrm>
+            <a:prstGeom prst="rect">
+              <a:avLst/>
+            </a:prstGeom>
+            <a:gradFill flip="none" rotWithShape="1">
+              <a:gsLst>
+                <a:gs pos="0">
+                  <a:srgbClr val="9900CC">
+                    <a:shade val="30000"/>
+                    <a:satMod val="115000"/>
+                  </a:srgbClr>
+                </a:gs>
+                <a:gs pos="50000">
+                  <a:srgbClr val="CC00FF"/>
+                </a:gs>
+                <a:gs pos="100000">
+                  <a:srgbClr val="CC66FF"/>
+                </a:gs>
+              </a:gsLst>
+              <a:lin ang="2700000" scaled="1"/>
+              <a:tileRect/>
+            </a:gradFill>
+          </p:spPr>
+          <p:style>
+            <a:lnRef idx="0">
+              <a:schemeClr val="accent1"/>
+            </a:lnRef>
+            <a:fillRef idx="3">
+              <a:schemeClr val="accent1"/>
+            </a:fillRef>
+            <a:effectRef idx="3">
+              <a:schemeClr val="accent1"/>
+            </a:effectRef>
+            <a:fontRef idx="minor">
+              <a:schemeClr val="lt1"/>
+            </a:fontRef>
+          </p:style>
+          <p:txBody>
+            <a:bodyPr wrap="square">
+              <a:spAutoFit/>
+            </a:bodyPr>
+            <a:lstStyle/>
+            <a:p>
+              <a:pPr algn="ctr">
+                <a:defRPr/>
+              </a:pPr>
+              <a:r>
+                <a:rPr lang="en-US" sz="2800" dirty="0">
+                  <a:solidFill>
+                    <a:srgbClr val="FFFFFF"/>
+                  </a:solidFill>
+                </a:rPr>
+                <a:t>Analysis</a:t>
+              </a:r>
+              <a:endParaRPr lang="en-SG" sz="2800" dirty="0">
+                <a:solidFill>
+                  <a:srgbClr val="FFFFFF"/>
+                </a:solidFill>
+              </a:endParaRPr>
+            </a:p>
+          </p:txBody>
+        </p:sp>
+        <p:sp>
+          <p:nvSpPr>
+            <p:cNvPr id="12" name="TextBox 11">
+              <a:extLst>
+                <a:ext uri="{FF2B5EF4-FFF2-40B4-BE49-F238E27FC236}">
+                  <a16:creationId xmlns:a16="http://schemas.microsoft.com/office/drawing/2014/main" id="{57BB6960-99BB-D1F7-5E1E-5C21F7563470}"/>
+                </a:ext>
+              </a:extLst>
+            </p:cNvPr>
+            <p:cNvSpPr txBox="1"/>
+            <p:nvPr/>
+          </p:nvSpPr>
+          <p:spPr bwMode="auto">
+            <a:xfrm>
+              <a:off x="2895600" y="2656034"/>
+              <a:ext cx="2784511" cy="523220"/>
+            </a:xfrm>
+            <a:prstGeom prst="rect">
+              <a:avLst/>
+            </a:prstGeom>
+            <a:gradFill flip="none" rotWithShape="1">
+              <a:gsLst>
+                <a:gs pos="0">
+                  <a:srgbClr val="006600"/>
+                </a:gs>
+                <a:gs pos="50000">
+                  <a:srgbClr val="00CC00"/>
+                </a:gs>
+                <a:gs pos="100000">
+                  <a:srgbClr val="92D050"/>
+                </a:gs>
+              </a:gsLst>
+              <a:lin ang="2700000" scaled="1"/>
+              <a:tileRect/>
+            </a:gradFill>
+          </p:spPr>
+          <p:style>
+            <a:lnRef idx="0">
+              <a:schemeClr val="accent1"/>
+            </a:lnRef>
+            <a:fillRef idx="3">
+              <a:schemeClr val="accent1"/>
+            </a:fillRef>
+            <a:effectRef idx="3">
+              <a:schemeClr val="accent1"/>
+            </a:effectRef>
+            <a:fontRef idx="minor">
+              <a:schemeClr val="lt1"/>
+            </a:fontRef>
+          </p:style>
+          <p:txBody>
+            <a:bodyPr wrap="square">
+              <a:spAutoFit/>
+            </a:bodyPr>
+            <a:lstStyle/>
+            <a:p>
+              <a:pPr algn="ctr">
+                <a:defRPr/>
+              </a:pPr>
+              <a:r>
+                <a:rPr lang="en-US" sz="2800" dirty="0">
+                  <a:solidFill>
+                    <a:srgbClr val="FFFFFF"/>
+                  </a:solidFill>
+                </a:rPr>
+                <a:t>Design</a:t>
+              </a:r>
+              <a:endParaRPr lang="en-SG" sz="2800" dirty="0">
+                <a:solidFill>
+                  <a:srgbClr val="FFFFFF"/>
+                </a:solidFill>
+              </a:endParaRPr>
+            </a:p>
+          </p:txBody>
+        </p:sp>
+        <p:sp>
+          <p:nvSpPr>
+            <p:cNvPr id="14" name="TextBox 13">
+              <a:extLst>
+                <a:ext uri="{FF2B5EF4-FFF2-40B4-BE49-F238E27FC236}">
+                  <a16:creationId xmlns:a16="http://schemas.microsoft.com/office/drawing/2014/main" id="{BE699B9A-B227-8619-09DF-96FEC20DB90C}"/>
+                </a:ext>
+              </a:extLst>
+            </p:cNvPr>
+            <p:cNvSpPr txBox="1"/>
+            <p:nvPr/>
+          </p:nvSpPr>
+          <p:spPr bwMode="auto">
+            <a:xfrm>
+              <a:off x="2918632" y="3963128"/>
+              <a:ext cx="2738446" cy="523220"/>
+            </a:xfrm>
+            <a:prstGeom prst="rect">
+              <a:avLst/>
+            </a:prstGeom>
+            <a:gradFill>
+              <a:gsLst>
+                <a:gs pos="0">
+                  <a:srgbClr val="000099"/>
+                </a:gs>
+                <a:gs pos="50000">
+                  <a:srgbClr val="3333FF"/>
+                </a:gs>
+                <a:gs pos="100000">
+                  <a:srgbClr val="99CCFF"/>
+                </a:gs>
+              </a:gsLst>
+              <a:lin ang="2700000" scaled="1"/>
+            </a:gradFill>
+          </p:spPr>
+          <p:style>
+            <a:lnRef idx="0">
+              <a:schemeClr val="accent1"/>
+            </a:lnRef>
+            <a:fillRef idx="3">
+              <a:schemeClr val="accent1"/>
+            </a:fillRef>
+            <a:effectRef idx="3">
+              <a:schemeClr val="accent1"/>
+            </a:effectRef>
+            <a:fontRef idx="minor">
+              <a:schemeClr val="lt1"/>
+            </a:fontRef>
+          </p:style>
+          <p:txBody>
+            <a:bodyPr wrap="square">
+              <a:spAutoFit/>
+            </a:bodyPr>
+            <a:lstStyle/>
+            <a:p>
+              <a:pPr algn="ctr">
+                <a:defRPr/>
+              </a:pPr>
+              <a:r>
+                <a:rPr lang="en-US" sz="2800" dirty="0">
+                  <a:solidFill>
+                    <a:srgbClr val="FFFFFF"/>
+                  </a:solidFill>
+                </a:rPr>
+                <a:t>Implementation</a:t>
+              </a:r>
+              <a:endParaRPr lang="en-SG" sz="2800" dirty="0">
+                <a:solidFill>
+                  <a:srgbClr val="FFFFFF"/>
+                </a:solidFill>
+              </a:endParaRPr>
+            </a:p>
+          </p:txBody>
+        </p:sp>
+        <p:sp>
+          <p:nvSpPr>
+            <p:cNvPr id="15" name="TextBox 14">
+              <a:extLst>
+                <a:ext uri="{FF2B5EF4-FFF2-40B4-BE49-F238E27FC236}">
+                  <a16:creationId xmlns:a16="http://schemas.microsoft.com/office/drawing/2014/main" id="{B5F14E4F-4D2A-E5D6-5434-2A929D9CB1F3}"/>
+                </a:ext>
+              </a:extLst>
+            </p:cNvPr>
+            <p:cNvSpPr txBox="1"/>
+            <p:nvPr/>
+          </p:nvSpPr>
+          <p:spPr bwMode="auto">
+            <a:xfrm>
+              <a:off x="2904300" y="5260321"/>
+              <a:ext cx="2767111" cy="523220"/>
+            </a:xfrm>
+            <a:prstGeom prst="rect">
+              <a:avLst/>
+            </a:prstGeom>
+            <a:gradFill flip="none" rotWithShape="1">
+              <a:gsLst>
+                <a:gs pos="0">
+                  <a:srgbClr val="FF0000"/>
+                </a:gs>
+                <a:gs pos="50000">
+                  <a:srgbClr val="FF6600"/>
+                </a:gs>
+                <a:gs pos="100000">
+                  <a:srgbClr val="FF9966"/>
+                </a:gs>
+              </a:gsLst>
+              <a:lin ang="2700000" scaled="1"/>
+              <a:tileRect/>
+            </a:gradFill>
+          </p:spPr>
+          <p:style>
+            <a:lnRef idx="0">
+              <a:schemeClr val="accent1"/>
+            </a:lnRef>
+            <a:fillRef idx="3">
+              <a:schemeClr val="accent1"/>
+            </a:fillRef>
+            <a:effectRef idx="3">
+              <a:schemeClr val="accent1"/>
+            </a:effectRef>
+            <a:fontRef idx="minor">
+              <a:schemeClr val="lt1"/>
+            </a:fontRef>
+          </p:style>
+          <p:txBody>
+            <a:bodyPr wrap="square">
+              <a:spAutoFit/>
+            </a:bodyPr>
+            <a:lstStyle/>
+            <a:p>
+              <a:pPr algn="ctr">
+                <a:defRPr/>
+              </a:pPr>
+              <a:r>
+                <a:rPr lang="en-US" sz="2800" dirty="0">
+                  <a:solidFill>
+                    <a:srgbClr val="FFFFFF"/>
+                  </a:solidFill>
+                </a:rPr>
+                <a:t>Testing</a:t>
+              </a:r>
+              <a:endParaRPr lang="en-SG" sz="2800" dirty="0">
+                <a:solidFill>
+                  <a:srgbClr val="FFFFFF"/>
+                </a:solidFill>
+              </a:endParaRPr>
+            </a:p>
+          </p:txBody>
+        </p:sp>
+        <p:cxnSp>
+          <p:nvCxnSpPr>
+            <p:cNvPr id="16" name="Straight Arrow Connector 12">
+              <a:extLst>
+                <a:ext uri="{FF2B5EF4-FFF2-40B4-BE49-F238E27FC236}">
+                  <a16:creationId xmlns:a16="http://schemas.microsoft.com/office/drawing/2014/main" id="{9F76D268-050C-BE9F-020F-60B563AAE4C7}"/>
+                </a:ext>
+              </a:extLst>
+            </p:cNvPr>
+            <p:cNvCxnSpPr>
+              <a:cxnSpLocks noChangeShapeType="1"/>
+              <a:stCxn id="11" idx="2"/>
+              <a:endCxn id="12" idx="0"/>
+            </p:cNvCxnSpPr>
+            <p:nvPr/>
+          </p:nvCxnSpPr>
+          <p:spPr bwMode="auto">
+            <a:xfrm>
+              <a:off x="4287856" y="1900498"/>
+              <a:ext cx="0" cy="755536"/>
+            </a:xfrm>
+            <a:prstGeom prst="straightConnector1">
+              <a:avLst/>
+            </a:prstGeom>
+            <a:noFill/>
+            <a:ln w="38100" cap="sq" algn="ctr">
+              <a:solidFill>
+                <a:srgbClr val="660066"/>
+              </a:solidFill>
+              <a:round/>
+              <a:headEnd type="triangle" w="lg" len="med"/>
+              <a:tailEnd type="triangle" w="lg" len="med"/>
+            </a:ln>
+          </p:spPr>
+        </p:cxnSp>
+        <p:cxnSp>
+          <p:nvCxnSpPr>
+            <p:cNvPr id="17" name="Straight Arrow Connector 14">
+              <a:extLst>
+                <a:ext uri="{FF2B5EF4-FFF2-40B4-BE49-F238E27FC236}">
+                  <a16:creationId xmlns:a16="http://schemas.microsoft.com/office/drawing/2014/main" id="{EDEF90E4-B9C6-294A-DFC1-201888570D0B}"/>
+                </a:ext>
+              </a:extLst>
+            </p:cNvPr>
+            <p:cNvCxnSpPr>
+              <a:cxnSpLocks noChangeShapeType="1"/>
+              <a:stCxn id="12" idx="2"/>
+              <a:endCxn id="14" idx="0"/>
+            </p:cNvCxnSpPr>
+            <p:nvPr/>
+          </p:nvCxnSpPr>
+          <p:spPr bwMode="auto">
+            <a:xfrm flipH="1">
+              <a:off x="4287855" y="3179254"/>
+              <a:ext cx="1" cy="783874"/>
+            </a:xfrm>
+            <a:prstGeom prst="straightConnector1">
+              <a:avLst/>
+            </a:prstGeom>
+            <a:noFill/>
+            <a:ln w="38100" cap="sq" algn="ctr">
+              <a:solidFill>
+                <a:srgbClr val="660066"/>
+              </a:solidFill>
+              <a:round/>
+              <a:headEnd type="triangle" w="lg" len="med"/>
+              <a:tailEnd type="triangle" w="lg" len="med"/>
+            </a:ln>
+          </p:spPr>
+        </p:cxnSp>
+        <p:cxnSp>
+          <p:nvCxnSpPr>
+            <p:cNvPr id="18" name="Straight Arrow Connector 15">
+              <a:extLst>
+                <a:ext uri="{FF2B5EF4-FFF2-40B4-BE49-F238E27FC236}">
+                  <a16:creationId xmlns:a16="http://schemas.microsoft.com/office/drawing/2014/main" id="{3E05A97A-829A-0150-469A-117B56C5CF30}"/>
+                </a:ext>
+              </a:extLst>
+            </p:cNvPr>
+            <p:cNvCxnSpPr>
+              <a:cxnSpLocks noChangeShapeType="1"/>
+              <a:stCxn id="14" idx="2"/>
+              <a:endCxn id="15" idx="0"/>
+            </p:cNvCxnSpPr>
+            <p:nvPr/>
+          </p:nvCxnSpPr>
+          <p:spPr bwMode="auto">
+            <a:xfrm>
+              <a:off x="4287855" y="4486348"/>
+              <a:ext cx="1" cy="773973"/>
+            </a:xfrm>
+            <a:prstGeom prst="straightConnector1">
+              <a:avLst/>
+            </a:prstGeom>
+            <a:noFill/>
+            <a:ln w="38100" cap="sq" algn="ctr">
+              <a:solidFill>
+                <a:srgbClr val="660066"/>
+              </a:solidFill>
+              <a:round/>
+              <a:headEnd type="triangle" w="lg" len="med"/>
+              <a:tailEnd type="triangle" w="lg" len="med"/>
+            </a:ln>
+          </p:spPr>
+        </p:cxnSp>
+        <p:cxnSp>
+          <p:nvCxnSpPr>
+            <p:cNvPr id="19" name="Straight Connector 26">
+              <a:extLst>
+                <a:ext uri="{FF2B5EF4-FFF2-40B4-BE49-F238E27FC236}">
+                  <a16:creationId xmlns:a16="http://schemas.microsoft.com/office/drawing/2014/main" id="{D1C2933B-D8ED-29CC-8A84-8F2FB2AA88F5}"/>
+                </a:ext>
+              </a:extLst>
+            </p:cNvPr>
+            <p:cNvCxnSpPr>
+              <a:cxnSpLocks noChangeShapeType="1"/>
+            </p:cNvCxnSpPr>
+            <p:nvPr/>
+          </p:nvCxnSpPr>
+          <p:spPr bwMode="auto">
+            <a:xfrm>
+              <a:off x="5662710" y="4202706"/>
+              <a:ext cx="593714" cy="22032"/>
+            </a:xfrm>
+            <a:prstGeom prst="line">
+              <a:avLst/>
+            </a:prstGeom>
+            <a:noFill/>
+            <a:ln w="38100" cap="sq" algn="ctr">
+              <a:solidFill>
+                <a:schemeClr val="tx1"/>
+              </a:solidFill>
+              <a:round/>
+              <a:headEnd type="none" w="sm" len="sm"/>
+              <a:tailEnd type="none" w="sm" len="sm"/>
+            </a:ln>
+          </p:spPr>
+        </p:cxnSp>
+        <p:cxnSp>
+          <p:nvCxnSpPr>
+            <p:cNvPr id="20" name="Straight Connector 29">
+              <a:extLst>
+                <a:ext uri="{FF2B5EF4-FFF2-40B4-BE49-F238E27FC236}">
+                  <a16:creationId xmlns:a16="http://schemas.microsoft.com/office/drawing/2014/main" id="{2C34C445-3E93-7E1C-9836-39C13E529D63}"/>
+                </a:ext>
+              </a:extLst>
+            </p:cNvPr>
+            <p:cNvCxnSpPr>
+              <a:cxnSpLocks noChangeShapeType="1"/>
+            </p:cNvCxnSpPr>
+            <p:nvPr/>
+          </p:nvCxnSpPr>
+          <p:spPr bwMode="auto">
+            <a:xfrm flipV="1">
+              <a:off x="6256424" y="1821677"/>
+              <a:ext cx="0" cy="2403061"/>
+            </a:xfrm>
+            <a:prstGeom prst="line">
+              <a:avLst/>
+            </a:prstGeom>
+            <a:noFill/>
+            <a:ln w="38100" cap="sq" algn="ctr">
+              <a:solidFill>
+                <a:schemeClr val="tx1"/>
+              </a:solidFill>
+              <a:round/>
+              <a:headEnd type="none" w="sm" len="sm"/>
+              <a:tailEnd type="none" w="sm" len="sm"/>
+            </a:ln>
+          </p:spPr>
+        </p:cxnSp>
+        <p:cxnSp>
+          <p:nvCxnSpPr>
+            <p:cNvPr id="21" name="Straight Connector 31">
+              <a:extLst>
+                <a:ext uri="{FF2B5EF4-FFF2-40B4-BE49-F238E27FC236}">
+                  <a16:creationId xmlns:a16="http://schemas.microsoft.com/office/drawing/2014/main" id="{CFA8BA1B-C225-2DAF-44A9-0B02F1BAF26A}"/>
+                </a:ext>
+              </a:extLst>
+            </p:cNvPr>
+            <p:cNvCxnSpPr>
+              <a:cxnSpLocks noChangeShapeType="1"/>
+            </p:cNvCxnSpPr>
+            <p:nvPr/>
+          </p:nvCxnSpPr>
+          <p:spPr bwMode="auto">
+            <a:xfrm flipH="1">
+              <a:off x="5747828" y="1821677"/>
+              <a:ext cx="508596" cy="0"/>
+            </a:xfrm>
+            <a:prstGeom prst="line">
+              <a:avLst/>
+            </a:prstGeom>
+            <a:noFill/>
+            <a:ln w="38100" cap="sq" algn="ctr">
+              <a:solidFill>
+                <a:schemeClr val="tx1"/>
+              </a:solidFill>
+              <a:round/>
+              <a:headEnd type="none" w="lg" len="med"/>
+              <a:tailEnd type="triangle" w="lg" len="med"/>
+            </a:ln>
+          </p:spPr>
+        </p:cxnSp>
+        <p:cxnSp>
+          <p:nvCxnSpPr>
+            <p:cNvPr id="22" name="Straight Connector 21">
+              <a:extLst>
+                <a:ext uri="{FF2B5EF4-FFF2-40B4-BE49-F238E27FC236}">
+                  <a16:creationId xmlns:a16="http://schemas.microsoft.com/office/drawing/2014/main" id="{911465F3-E803-88C2-7006-E3308D10DC77}"/>
+                </a:ext>
+              </a:extLst>
+            </p:cNvPr>
+            <p:cNvCxnSpPr>
+              <a:cxnSpLocks noChangeShapeType="1"/>
+            </p:cNvCxnSpPr>
+            <p:nvPr/>
+          </p:nvCxnSpPr>
+          <p:spPr bwMode="auto">
+            <a:xfrm>
+              <a:off x="5747828" y="5615139"/>
+              <a:ext cx="748649" cy="0"/>
+            </a:xfrm>
+            <a:prstGeom prst="line">
+              <a:avLst/>
+            </a:prstGeom>
+            <a:noFill/>
+            <a:ln w="38100" cap="sq" algn="ctr">
+              <a:solidFill>
+                <a:srgbClr val="006600"/>
+              </a:solidFill>
+              <a:round/>
+              <a:headEnd type="none" w="sm" len="sm"/>
+              <a:tailEnd type="none" w="sm" len="sm"/>
+            </a:ln>
+          </p:spPr>
+        </p:cxnSp>
+        <p:cxnSp>
+          <p:nvCxnSpPr>
+            <p:cNvPr id="23" name="Straight Connector 37">
+              <a:extLst>
+                <a:ext uri="{FF2B5EF4-FFF2-40B4-BE49-F238E27FC236}">
+                  <a16:creationId xmlns:a16="http://schemas.microsoft.com/office/drawing/2014/main" id="{9C476DE4-5ADC-7DEA-7EDB-B4046197927F}"/>
+                </a:ext>
+              </a:extLst>
+            </p:cNvPr>
+            <p:cNvCxnSpPr>
+              <a:cxnSpLocks noChangeShapeType="1"/>
+            </p:cNvCxnSpPr>
+            <p:nvPr/>
+          </p:nvCxnSpPr>
+          <p:spPr bwMode="auto">
+            <a:xfrm flipV="1">
+              <a:off x="6496477" y="1586719"/>
+              <a:ext cx="0" cy="4028421"/>
+            </a:xfrm>
+            <a:prstGeom prst="line">
+              <a:avLst/>
+            </a:prstGeom>
+            <a:noFill/>
+            <a:ln w="38100" cap="sq" algn="ctr">
+              <a:solidFill>
+                <a:srgbClr val="006600"/>
+              </a:solidFill>
+              <a:round/>
+              <a:headEnd type="none" w="sm" len="sm"/>
+              <a:tailEnd type="none" w="sm" len="sm"/>
+            </a:ln>
+          </p:spPr>
+        </p:cxnSp>
+        <p:cxnSp>
+          <p:nvCxnSpPr>
+            <p:cNvPr id="24" name="Straight Connector 41">
+              <a:extLst>
+                <a:ext uri="{FF2B5EF4-FFF2-40B4-BE49-F238E27FC236}">
+                  <a16:creationId xmlns:a16="http://schemas.microsoft.com/office/drawing/2014/main" id="{8643015E-3EA7-83BC-FDB6-9E0BD4DF1C40}"/>
+                </a:ext>
+              </a:extLst>
+            </p:cNvPr>
+            <p:cNvCxnSpPr>
+              <a:cxnSpLocks noChangeShapeType="1"/>
+            </p:cNvCxnSpPr>
+            <p:nvPr/>
+          </p:nvCxnSpPr>
+          <p:spPr bwMode="auto">
+            <a:xfrm flipH="1">
+              <a:off x="5734096" y="1586719"/>
+              <a:ext cx="762381" cy="0"/>
+            </a:xfrm>
+            <a:prstGeom prst="line">
+              <a:avLst/>
+            </a:prstGeom>
+            <a:noFill/>
+            <a:ln w="38100" cap="sq" algn="ctr">
+              <a:solidFill>
+                <a:srgbClr val="006600"/>
+              </a:solidFill>
+              <a:round/>
+              <a:headEnd type="none" w="lg" len="med"/>
+              <a:tailEnd type="triangle" w="lg" len="med"/>
+            </a:ln>
+          </p:spPr>
+        </p:cxnSp>
+        <p:cxnSp>
+          <p:nvCxnSpPr>
+            <p:cNvPr id="25" name="Straight Connector 48">
+              <a:extLst>
+                <a:ext uri="{FF2B5EF4-FFF2-40B4-BE49-F238E27FC236}">
+                  <a16:creationId xmlns:a16="http://schemas.microsoft.com/office/drawing/2014/main" id="{DD5EDC08-20EE-8FAB-9E87-A6633C3B661B}"/>
+                </a:ext>
+              </a:extLst>
+            </p:cNvPr>
+            <p:cNvCxnSpPr>
+              <a:cxnSpLocks noChangeShapeType="1"/>
+            </p:cNvCxnSpPr>
+            <p:nvPr/>
+          </p:nvCxnSpPr>
+          <p:spPr bwMode="auto">
+            <a:xfrm>
+              <a:off x="5734096" y="5404614"/>
+              <a:ext cx="1008546" cy="0"/>
+            </a:xfrm>
+            <a:prstGeom prst="line">
+              <a:avLst/>
+            </a:prstGeom>
+            <a:noFill/>
+            <a:ln w="38100" cap="sq" algn="ctr">
+              <a:solidFill>
+                <a:srgbClr val="800000"/>
+              </a:solidFill>
+              <a:round/>
+              <a:headEnd type="none" w="sm" len="sm"/>
+              <a:tailEnd type="none" w="sm" len="sm"/>
+            </a:ln>
+          </p:spPr>
+        </p:cxnSp>
+        <p:cxnSp>
+          <p:nvCxnSpPr>
+            <p:cNvPr id="26" name="Straight Connector 50">
+              <a:extLst>
+                <a:ext uri="{FF2B5EF4-FFF2-40B4-BE49-F238E27FC236}">
+                  <a16:creationId xmlns:a16="http://schemas.microsoft.com/office/drawing/2014/main" id="{0BC89241-8D29-4059-A38E-FA54DE15C4FB}"/>
+                </a:ext>
+              </a:extLst>
+            </p:cNvPr>
+            <p:cNvCxnSpPr>
+              <a:cxnSpLocks noChangeShapeType="1"/>
+            </p:cNvCxnSpPr>
+            <p:nvPr/>
+          </p:nvCxnSpPr>
+          <p:spPr bwMode="auto">
+            <a:xfrm flipV="1">
+              <a:off x="6742642" y="2930525"/>
+              <a:ext cx="7446" cy="2474089"/>
+            </a:xfrm>
+            <a:prstGeom prst="line">
+              <a:avLst/>
+            </a:prstGeom>
+            <a:noFill/>
+            <a:ln w="38100" cap="sq" algn="ctr">
+              <a:solidFill>
+                <a:srgbClr val="800000"/>
+              </a:solidFill>
+              <a:round/>
+              <a:headEnd type="none" w="sm" len="sm"/>
+              <a:tailEnd type="none" w="sm" len="sm"/>
+            </a:ln>
+          </p:spPr>
+        </p:cxnSp>
+        <p:cxnSp>
+          <p:nvCxnSpPr>
+            <p:cNvPr id="27" name="Straight Connector 52">
+              <a:extLst>
+                <a:ext uri="{FF2B5EF4-FFF2-40B4-BE49-F238E27FC236}">
+                  <a16:creationId xmlns:a16="http://schemas.microsoft.com/office/drawing/2014/main" id="{BC6485CC-5019-3F59-927F-62601ED04EEB}"/>
+                </a:ext>
+              </a:extLst>
+            </p:cNvPr>
+            <p:cNvCxnSpPr>
+              <a:cxnSpLocks noChangeShapeType="1"/>
+            </p:cNvCxnSpPr>
+            <p:nvPr/>
+          </p:nvCxnSpPr>
+          <p:spPr bwMode="auto">
+            <a:xfrm flipH="1">
+              <a:off x="5762761" y="2930525"/>
+              <a:ext cx="987327" cy="0"/>
+            </a:xfrm>
+            <a:prstGeom prst="line">
+              <a:avLst/>
+            </a:prstGeom>
+            <a:noFill/>
+            <a:ln w="38100" cap="sq" algn="ctr">
+              <a:solidFill>
+                <a:srgbClr val="800000"/>
+              </a:solidFill>
+              <a:round/>
+              <a:headEnd type="none" w="lg" len="med"/>
+              <a:tailEnd type="triangle" w="lg" len="med"/>
+            </a:ln>
+          </p:spPr>
+        </p:cxnSp>
+      </p:grpSp>
+      <p:sp>
+        <p:nvSpPr>
+          <p:cNvPr id="28" name="[TextBox 28]">
+            <a:extLst>
+              <a:ext uri="{FF2B5EF4-FFF2-40B4-BE49-F238E27FC236}">
+                <a16:creationId xmlns:a16="http://schemas.microsoft.com/office/drawing/2014/main" id="{355B7711-3EE3-2FAA-F020-933AB1900573}"/>
+              </a:ext>
+            </a:extLst>
+          </p:cNvPr>
+          <p:cNvSpPr txBox="1">
+            <a:spLocks noChangeArrowheads="1"/>
+          </p:cNvSpPr>
+          <p:nvPr/>
+        </p:nvSpPr>
+        <p:spPr bwMode="auto">
+          <a:xfrm>
+            <a:off x="6854825" y="2265362"/>
+            <a:ext cx="2060575" cy="1077218"/>
+          </a:xfrm>
+          <a:prstGeom prst="rect">
+            <a:avLst/>
+          </a:prstGeom>
+          <a:noFill/>
+          <a:ln w="9525">
+            <a:noFill/>
+            <a:miter lim="800000"/>
+            <a:headEnd/>
+            <a:tailEnd/>
+          </a:ln>
+        </p:spPr>
+        <p:txBody>
+          <a:bodyPr wrap="square">
+            <a:spAutoFit/>
+          </a:bodyPr>
+          <a:lstStyle/>
+          <a:p>
+            <a:pPr algn="ctr"/>
+            <a:r>
+              <a:rPr lang="en-US" sz="3200" i="1">
+                <a:solidFill>
+                  <a:srgbClr val="C00000"/>
+                </a:solidFill>
+                <a:latin typeface="+mn-lt"/>
+                <a:cs typeface="Andalus" pitchFamily="18" charset="-78"/>
+              </a:rPr>
+              <a:t>Iterative process</a:t>
+            </a:r>
+            <a:endParaRPr lang="en-US" sz="3200" i="1" dirty="0">
+              <a:solidFill>
+                <a:srgbClr val="C00000"/>
+              </a:solidFill>
+              <a:latin typeface="+mn-lt"/>
+              <a:cs typeface="Andalus" pitchFamily="18" charset="-78"/>
+            </a:endParaRPr>
+          </a:p>
+        </p:txBody>
+      </p:sp>
+      <p:sp>
+        <p:nvSpPr>
+          <p:cNvPr id="29" name="Rectangle 2">
+            <a:extLst>
+              <a:ext uri="{FF2B5EF4-FFF2-40B4-BE49-F238E27FC236}">
+                <a16:creationId xmlns:a16="http://schemas.microsoft.com/office/drawing/2014/main" id="{BDF01D19-60B6-6A80-70DF-BD6168E155ED}"/>
+              </a:ext>
+            </a:extLst>
+          </p:cNvPr>
+          <p:cNvSpPr txBox="1">
+            <a:spLocks noChangeArrowheads="1"/>
+          </p:cNvSpPr>
+          <p:nvPr/>
+        </p:nvSpPr>
+        <p:spPr>
+          <a:xfrm>
+            <a:off x="631334" y="459474"/>
+            <a:ext cx="2981538" cy="685800"/>
+          </a:xfrm>
+          <a:prstGeom prst="rect">
+            <a:avLst/>
+          </a:prstGeom>
+        </p:spPr>
+        <p:txBody>
+          <a:bodyPr vert="horz" lIns="91440" tIns="45720" rIns="91440" bIns="45720" rtlCol="0" anchor="ctr">
+            <a:normAutofit fontScale="97500"/>
+          </a:bodyPr>
+          <a:lstStyle>
+            <a:lvl1pPr algn="l" defTabSz="914400" rtl="0" eaLnBrk="1" latinLnBrk="0" hangingPunct="1">
+              <a:spcBef>
+                <a:spcPct val="0"/>
+              </a:spcBef>
+              <a:buNone/>
+              <a:defRPr sz="4000" kern="1200" spc="-100" baseline="0">
+                <a:solidFill>
+                  <a:schemeClr val="tx2"/>
+                </a:solidFill>
+                <a:latin typeface="+mj-lt"/>
+                <a:ea typeface="+mj-ea"/>
+                <a:cs typeface="+mj-cs"/>
+              </a:defRPr>
+            </a:lvl1pPr>
+          </a:lstStyle>
+          <a:p>
+            <a:pPr fontAlgn="auto">
+              <a:spcAft>
+                <a:spcPts val="0"/>
+              </a:spcAft>
+            </a:pPr>
+            <a:r>
+              <a:rPr lang="en-GB" sz="3600" dirty="0">
+                <a:solidFill>
+                  <a:srgbClr val="0000FF"/>
+                </a:solidFill>
+              </a:rPr>
+              <a:t>Algorithmic</a:t>
+            </a:r>
+          </a:p>
+        </p:txBody>
+      </p:sp>
+      <p:sp>
+        <p:nvSpPr>
+          <p:cNvPr id="30" name="[TextBox 24]">
+            <a:extLst>
+              <a:ext uri="{FF2B5EF4-FFF2-40B4-BE49-F238E27FC236}">
+                <a16:creationId xmlns:a16="http://schemas.microsoft.com/office/drawing/2014/main" id="{5099EA7F-E225-3426-A37A-3E1D22BF4B5A}"/>
+              </a:ext>
+            </a:extLst>
+          </p:cNvPr>
+          <p:cNvSpPr txBox="1">
+            <a:spLocks noChangeArrowheads="1"/>
+          </p:cNvSpPr>
+          <p:nvPr/>
+        </p:nvSpPr>
+        <p:spPr bwMode="auto">
+          <a:xfrm>
+            <a:off x="577683" y="1110064"/>
+            <a:ext cx="2209800" cy="1200329"/>
+          </a:xfrm>
+          <a:prstGeom prst="rect">
+            <a:avLst/>
+          </a:prstGeom>
+          <a:noFill/>
+          <a:ln w="9525">
+            <a:noFill/>
+            <a:miter lim="800000"/>
+            <a:headEnd/>
+            <a:tailEnd/>
+          </a:ln>
+        </p:spPr>
+        <p:txBody>
+          <a:bodyPr wrap="square">
+            <a:spAutoFit/>
+          </a:bodyPr>
+          <a:lstStyle/>
+          <a:p>
+            <a:pPr algn="ctr"/>
+            <a:r>
+              <a:rPr lang="en-US" sz="2400" i="1" dirty="0">
+                <a:latin typeface="Calibri" pitchFamily="34" charset="0"/>
+              </a:rPr>
+              <a:t>Determine problem features</a:t>
+            </a:r>
+          </a:p>
+        </p:txBody>
+      </p:sp>
+      <p:sp>
+        <p:nvSpPr>
+          <p:cNvPr id="31" name="[TextBox 25]">
+            <a:extLst>
+              <a:ext uri="{FF2B5EF4-FFF2-40B4-BE49-F238E27FC236}">
+                <a16:creationId xmlns:a16="http://schemas.microsoft.com/office/drawing/2014/main" id="{FB3707A8-E821-7778-ED91-0CE1A426651D}"/>
+              </a:ext>
+            </a:extLst>
+          </p:cNvPr>
+          <p:cNvSpPr txBox="1">
+            <a:spLocks noChangeArrowheads="1"/>
+          </p:cNvSpPr>
+          <p:nvPr/>
+        </p:nvSpPr>
+        <p:spPr bwMode="auto">
+          <a:xfrm>
+            <a:off x="612608" y="2562225"/>
+            <a:ext cx="2139950" cy="830997"/>
+          </a:xfrm>
+          <a:prstGeom prst="rect">
+            <a:avLst/>
+          </a:prstGeom>
+          <a:noFill/>
+          <a:ln w="9525">
+            <a:noFill/>
+            <a:miter lim="800000"/>
+            <a:headEnd/>
+            <a:tailEnd/>
+          </a:ln>
+        </p:spPr>
+        <p:txBody>
+          <a:bodyPr>
+            <a:spAutoFit/>
+          </a:bodyPr>
+          <a:lstStyle/>
+          <a:p>
+            <a:pPr algn="ctr"/>
+            <a:r>
+              <a:rPr lang="en-US" sz="2400" i="1" dirty="0">
+                <a:solidFill>
+                  <a:srgbClr val="008000"/>
+                </a:solidFill>
+                <a:latin typeface="Calibri" pitchFamily="34" charset="0"/>
+              </a:rPr>
+              <a:t>Write algorithm</a:t>
+            </a:r>
+          </a:p>
+        </p:txBody>
+      </p:sp>
+      <p:sp>
+        <p:nvSpPr>
+          <p:cNvPr id="32" name="[TextBox 26]">
+            <a:extLst>
+              <a:ext uri="{FF2B5EF4-FFF2-40B4-BE49-F238E27FC236}">
+                <a16:creationId xmlns:a16="http://schemas.microsoft.com/office/drawing/2014/main" id="{CC682A90-905B-FA8A-B07E-02133095E12E}"/>
+              </a:ext>
+            </a:extLst>
+          </p:cNvPr>
+          <p:cNvSpPr txBox="1">
+            <a:spLocks noChangeArrowheads="1"/>
+          </p:cNvSpPr>
+          <p:nvPr/>
+        </p:nvSpPr>
+        <p:spPr bwMode="auto">
+          <a:xfrm>
+            <a:off x="830776" y="3758480"/>
+            <a:ext cx="1703614" cy="830997"/>
+          </a:xfrm>
+          <a:prstGeom prst="rect">
+            <a:avLst/>
+          </a:prstGeom>
+          <a:noFill/>
+          <a:ln w="9525">
+            <a:noFill/>
+            <a:miter lim="800000"/>
+            <a:headEnd/>
+            <a:tailEnd/>
+          </a:ln>
+        </p:spPr>
+        <p:txBody>
+          <a:bodyPr wrap="square">
+            <a:spAutoFit/>
+          </a:bodyPr>
+          <a:lstStyle/>
+          <a:p>
+            <a:pPr algn="ctr"/>
+            <a:r>
+              <a:rPr lang="en-US" sz="2400" i="1" dirty="0">
+                <a:latin typeface="Calibri" pitchFamily="34" charset="0"/>
+              </a:rPr>
+              <a:t>Produce code</a:t>
+            </a:r>
+          </a:p>
+        </p:txBody>
+      </p:sp>
+      <p:sp>
+        <p:nvSpPr>
+          <p:cNvPr id="33" name="[TextBox 27]">
+            <a:extLst>
+              <a:ext uri="{FF2B5EF4-FFF2-40B4-BE49-F238E27FC236}">
+                <a16:creationId xmlns:a16="http://schemas.microsoft.com/office/drawing/2014/main" id="{6205835F-FAFF-D5F0-A6F6-D7C721DE322F}"/>
+              </a:ext>
+            </a:extLst>
+          </p:cNvPr>
+          <p:cNvSpPr txBox="1">
+            <a:spLocks noChangeArrowheads="1"/>
+          </p:cNvSpPr>
+          <p:nvPr/>
+        </p:nvSpPr>
+        <p:spPr bwMode="auto">
+          <a:xfrm>
+            <a:off x="414965" y="4922887"/>
+            <a:ext cx="2535237" cy="1200329"/>
+          </a:xfrm>
+          <a:prstGeom prst="rect">
+            <a:avLst/>
+          </a:prstGeom>
+          <a:noFill/>
+          <a:ln w="9525">
+            <a:noFill/>
+            <a:miter lim="800000"/>
+            <a:headEnd/>
+            <a:tailEnd/>
+          </a:ln>
+        </p:spPr>
+        <p:txBody>
+          <a:bodyPr>
+            <a:spAutoFit/>
+          </a:bodyPr>
+          <a:lstStyle/>
+          <a:p>
+            <a:pPr algn="ctr"/>
+            <a:r>
+              <a:rPr lang="en-US" sz="2400" i="1" dirty="0">
+                <a:solidFill>
+                  <a:srgbClr val="006600"/>
+                </a:solidFill>
+                <a:latin typeface="Calibri" pitchFamily="34" charset="0"/>
+              </a:rPr>
+              <a:t>Check for correctness and efficiency</a:t>
+            </a:r>
+          </a:p>
+        </p:txBody>
+      </p:sp>
+    </p:spTree>
+    <p:extLst>
+      <p:ext uri="{BB962C8B-B14F-4D97-AF65-F5344CB8AC3E}">
+        <p14:creationId xmlns:p14="http://schemas.microsoft.com/office/powerpoint/2010/main" val="2802426808"/>
+      </p:ext>
+    </p:extLst>
+  </p:cSld>
+  <p:clrMapOvr>
+    <a:masterClrMapping/>
+  </p:clrMapOvr>
+  <p:transition>
+    <p:fade/>
+  </p:transition>
+</p:sld>
+</file>
+
+<file path=ppt/slides/slide9.xml><?xml version="1.0" encoding="utf-8"?>
+<p:sld xmlns:a="http://schemas.openxmlformats.org/drawingml/2006/main" xmlns:r="http://schemas.openxmlformats.org/officeDocument/2006/relationships" xmlns:p="http://schemas.openxmlformats.org/presentationml/2006/main">
+  <p:cSld>
+    <p:spTree>
+      <p:nvGrpSpPr>
+        <p:cNvPr id="1" name=""/>
+        <p:cNvGrpSpPr/>
+        <p:nvPr/>
+      </p:nvGrpSpPr>
+      <p:grpSpPr>
+        <a:xfrm>
+          <a:off x="0" y="0"/>
+          <a:ext cx="0" cy="0"/>
+          <a:chOff x="0" y="0"/>
+          <a:chExt cx="0" cy="0"/>
+        </a:xfrm>
+      </p:grpSpPr>
+      <p:sp>
+        <p:nvSpPr>
           <p:cNvPr id="8" name="HighlightTextShape201406241503265130"/>
           <p:cNvSpPr>
             <a:spLocks noChangeArrowheads="1"/>
@@ -25721,7 +27276,7 @@
               <a:pPr>
                 <a:defRPr/>
               </a:pPr>
-              <a:t>8</a:t>
+              <a:t>9</a:t>
             </a:fld>
             <a:endParaRPr lang="en-US" dirty="0"/>
           </a:p>
